--- a/asset/Learn/ITA-base_classroom_lecture_EN.pptx
+++ b/asset/Learn/ITA-base_classroom_lecture_EN.pptx
@@ -304,7 +304,7 @@
               <a:rPr kumimoji="1" lang="ja-JP" altLang="en-US" smtClean="0">
                 <a:ea typeface="メイリオ" panose="020B0604030504040204" pitchFamily="50" charset="-128"/>
               </a:rPr>
-              <a:t>2021/8/20</a:t>
+              <a:t>2022/1/19</a:t>
             </a:fld>
             <a:endParaRPr kumimoji="1" lang="ja-JP" altLang="en-US" dirty="0">
               <a:ea typeface="メイリオ" panose="020B0604030504040204" pitchFamily="50" charset="-128"/>
@@ -450,7 +450,7 @@
             <a:fld id="{4B26993D-C081-44EB-B0F5-A9F467792B62}" type="datetimeFigureOut">
               <a:rPr lang="ja-JP" altLang="en-US" smtClean="0"/>
               <a:pPr/>
-              <a:t>2021/8/20</a:t>
+              <a:t>2022/1/19</a:t>
             </a:fld>
             <a:endParaRPr lang="ja-JP" altLang="en-US" dirty="0"/>
           </a:p>
@@ -1768,7 +1768,7 @@
           <a:p>
             <a:fld id="{56F9016B-CCA6-43BE-8BEE-59565A35F4F7}" type="datetimeFigureOut">
               <a:rPr kumimoji="1" lang="ja-JP" altLang="en-US" smtClean="0"/>
-              <a:t>2021/8/20</a:t>
+              <a:t>2022/1/19</a:t>
             </a:fld>
             <a:endParaRPr kumimoji="1" lang="ja-JP" altLang="en-US"/>
           </a:p>
@@ -1970,7 +1970,7 @@
           <a:p>
             <a:fld id="{56F9016B-CCA6-43BE-8BEE-59565A35F4F7}" type="datetimeFigureOut">
               <a:rPr kumimoji="1" lang="ja-JP" altLang="en-US" smtClean="0"/>
-              <a:t>2021/8/20</a:t>
+              <a:t>2022/1/19</a:t>
             </a:fld>
             <a:endParaRPr kumimoji="1" lang="ja-JP" altLang="en-US"/>
           </a:p>
@@ -2216,7 +2216,7 @@
           <a:p>
             <a:fld id="{56F9016B-CCA6-43BE-8BEE-59565A35F4F7}" type="datetimeFigureOut">
               <a:rPr kumimoji="1" lang="ja-JP" altLang="en-US" smtClean="0"/>
-              <a:t>2021/8/20</a:t>
+              <a:t>2022/1/19</a:t>
             </a:fld>
             <a:endParaRPr kumimoji="1" lang="ja-JP" altLang="en-US"/>
           </a:p>
@@ -2512,7 +2512,7 @@
           <a:p>
             <a:fld id="{56F9016B-CCA6-43BE-8BEE-59565A35F4F7}" type="datetimeFigureOut">
               <a:rPr kumimoji="1" lang="ja-JP" altLang="en-US" smtClean="0"/>
-              <a:t>2021/8/20</a:t>
+              <a:t>2022/1/19</a:t>
             </a:fld>
             <a:endParaRPr kumimoji="1" lang="ja-JP" altLang="en-US"/>
           </a:p>
@@ -2943,7 +2943,7 @@
           <a:p>
             <a:fld id="{56F9016B-CCA6-43BE-8BEE-59565A35F4F7}" type="datetimeFigureOut">
               <a:rPr kumimoji="1" lang="ja-JP" altLang="en-US" smtClean="0"/>
-              <a:t>2021/8/20</a:t>
+              <a:t>2022/1/19</a:t>
             </a:fld>
             <a:endParaRPr kumimoji="1" lang="ja-JP" altLang="en-US"/>
           </a:p>
@@ -3061,7 +3061,7 @@
           <a:p>
             <a:fld id="{56F9016B-CCA6-43BE-8BEE-59565A35F4F7}" type="datetimeFigureOut">
               <a:rPr kumimoji="1" lang="ja-JP" altLang="en-US" smtClean="0"/>
-              <a:t>2021/8/20</a:t>
+              <a:t>2022/1/19</a:t>
             </a:fld>
             <a:endParaRPr kumimoji="1" lang="ja-JP" altLang="en-US"/>
           </a:p>
@@ -3156,7 +3156,7 @@
           <a:p>
             <a:fld id="{56F9016B-CCA6-43BE-8BEE-59565A35F4F7}" type="datetimeFigureOut">
               <a:rPr kumimoji="1" lang="ja-JP" altLang="en-US" smtClean="0"/>
-              <a:t>2021/8/20</a:t>
+              <a:t>2022/1/19</a:t>
             </a:fld>
             <a:endParaRPr kumimoji="1" lang="ja-JP" altLang="en-US"/>
           </a:p>
@@ -3465,7 +3465,7 @@
           <a:p>
             <a:fld id="{56F9016B-CCA6-43BE-8BEE-59565A35F4F7}" type="datetimeFigureOut">
               <a:rPr kumimoji="1" lang="ja-JP" altLang="en-US" smtClean="0"/>
-              <a:t>2021/8/20</a:t>
+              <a:t>2022/1/19</a:t>
             </a:fld>
             <a:endParaRPr kumimoji="1" lang="ja-JP" altLang="en-US"/>
           </a:p>
@@ -3718,7 +3718,7 @@
           <a:p>
             <a:fld id="{56F9016B-CCA6-43BE-8BEE-59565A35F4F7}" type="datetimeFigureOut">
               <a:rPr kumimoji="1" lang="ja-JP" altLang="en-US" smtClean="0"/>
-              <a:t>2021/8/20</a:t>
+              <a:t>2022/1/19</a:t>
             </a:fld>
             <a:endParaRPr kumimoji="1" lang="ja-JP" altLang="en-US"/>
           </a:p>
@@ -3995,7 +3995,7 @@
           <a:p>
             <a:fld id="{56F9016B-CCA6-43BE-8BEE-59565A35F4F7}" type="datetimeFigureOut">
               <a:rPr kumimoji="1" lang="ja-JP" altLang="en-US" smtClean="0"/>
-              <a:t>2021/8/20</a:t>
+              <a:t>2022/1/19</a:t>
             </a:fld>
             <a:endParaRPr kumimoji="1" lang="ja-JP" altLang="en-US"/>
           </a:p>
@@ -4207,7 +4207,7 @@
           <a:p>
             <a:fld id="{56F9016B-CCA6-43BE-8BEE-59565A35F4F7}" type="datetimeFigureOut">
               <a:rPr kumimoji="1" lang="ja-JP" altLang="en-US" smtClean="0"/>
-              <a:t>2021/8/20</a:t>
+              <a:t>2022/1/19</a:t>
             </a:fld>
             <a:endParaRPr kumimoji="1" lang="ja-JP" altLang="en-US"/>
           </a:p>
@@ -7088,7 +7088,7 @@
           <a:p>
             <a:fld id="{56F9016B-CCA6-43BE-8BEE-59565A35F4F7}" type="datetimeFigureOut">
               <a:rPr kumimoji="1" lang="ja-JP" altLang="en-US" smtClean="0"/>
-              <a:t>2021/8/20</a:t>
+              <a:t>2022/1/19</a:t>
             </a:fld>
             <a:endParaRPr kumimoji="1" lang="ja-JP" altLang="en-US"/>
           </a:p>
@@ -7522,8 +7522,13 @@
           <a:p>
             <a:r>
               <a:rPr lang="en-US" altLang="ja-JP" dirty="0"/>
-              <a:t>Exastro IT Automation Version 1.8.0</a:t>
-            </a:r>
+              <a:t>Exastro IT Automation Version </a:t>
+            </a:r>
+            <a:r>
+              <a:rPr lang="en-US" altLang="ja-JP" dirty="0" smtClean="0"/>
+              <a:t>1.9.0</a:t>
+            </a:r>
+            <a:endParaRPr lang="en-US" altLang="ja-JP" dirty="0"/>
           </a:p>
           <a:p>
             <a:r>
@@ -8647,11 +8652,7 @@
             </a:r>
             <a:r>
               <a:rPr lang="en-US" altLang="ja-JP" dirty="0"/>
-              <a:t>(Role Based Access Control) </a:t>
-            </a:r>
-            <a:r>
-              <a:rPr lang="en-US" altLang="ja-JP" dirty="0"/>
-              <a:t>(4/4)</a:t>
+              <a:t>(Role Based Access Control) (4/4)</a:t>
             </a:r>
             <a:endParaRPr kumimoji="1" lang="ja-JP" altLang="en-US" dirty="0"/>
           </a:p>
@@ -9702,11 +9703,7 @@
           <a:p>
             <a:r>
               <a:rPr lang="en-US" altLang="ja-JP" sz="1400" b="1" dirty="0" smtClean="0"/>
-              <a:t>Menu </a:t>
-            </a:r>
-            <a:r>
-              <a:rPr lang="en-US" altLang="ja-JP" sz="1400" b="1" dirty="0" smtClean="0"/>
-              <a:t>A</a:t>
+              <a:t>Menu A</a:t>
             </a:r>
             <a:endParaRPr kumimoji="1" lang="ja-JP" altLang="en-US" sz="1400" b="1" dirty="0"/>
           </a:p>
@@ -10689,23 +10686,7 @@
                     <a:srgbClr val="000000"/>
                   </a:solidFill>
                 </a:rPr>
-                <a:t>(</a:t>
-              </a:r>
-              <a:r>
-                <a:rPr lang="en-US" altLang="ja-JP" sz="1200" b="1" dirty="0" smtClean="0">
-                  <a:solidFill>
-                    <a:srgbClr val="000000"/>
-                  </a:solidFill>
-                </a:rPr>
-                <a:t>Blank</a:t>
-              </a:r>
-              <a:r>
-                <a:rPr lang="en-US" altLang="ja-JP" sz="1200" b="1" dirty="0" smtClean="0">
-                  <a:solidFill>
-                    <a:srgbClr val="000000"/>
-                  </a:solidFill>
-                </a:rPr>
-                <a:t>)</a:t>
+                <a:t>(Blank)</a:t>
               </a:r>
               <a:endParaRPr lang="en-US" altLang="ja-JP" sz="1200" b="1" dirty="0">
                 <a:solidFill>
@@ -11509,11 +11490,7 @@
           <a:p>
             <a:r>
               <a:rPr lang="en-US" altLang="ja-JP" b="1" dirty="0" smtClean="0"/>
-              <a:t>Device management in </a:t>
-            </a:r>
-            <a:r>
-              <a:rPr lang="en-US" altLang="ja-JP" b="1" dirty="0" smtClean="0"/>
-              <a:t>ITA</a:t>
+              <a:t>Device management in ITA</a:t>
             </a:r>
             <a:endParaRPr lang="en-US" altLang="ja-JP" b="1" dirty="0"/>
           </a:p>
@@ -11583,11 +11560,7 @@
           <a:p>
             <a:r>
               <a:rPr lang="en-US" altLang="ja-JP" dirty="0" smtClean="0"/>
-              <a:t>3</a:t>
-            </a:r>
-            <a:r>
-              <a:rPr lang="en-US" altLang="ja-JP" dirty="0" smtClean="0"/>
-              <a:t>.1</a:t>
+              <a:t>3.1</a:t>
             </a:r>
             <a:r>
               <a:rPr lang="ja-JP" altLang="en-US" dirty="0"/>
@@ -12755,11 +12728,7 @@
           <a:p>
             <a:r>
               <a:rPr lang="en-US" altLang="ja-JP" dirty="0" smtClean="0"/>
-              <a:t>3</a:t>
-            </a:r>
-            <a:r>
-              <a:rPr lang="en-US" altLang="ja-JP" dirty="0" smtClean="0"/>
-              <a:t>.1</a:t>
+              <a:t>3.1</a:t>
             </a:r>
             <a:r>
               <a:rPr lang="ja-JP" altLang="en-US" dirty="0"/>
@@ -12767,11 +12736,7 @@
             </a:r>
             <a:r>
               <a:rPr lang="en-US" altLang="ja-JP" dirty="0" smtClean="0"/>
-              <a:t>Device management in ITA   </a:t>
-            </a:r>
-            <a:r>
-              <a:rPr lang="en-US" altLang="ja-JP" dirty="0" smtClean="0"/>
-              <a:t>(2/2)</a:t>
+              <a:t>Device management in ITA   (2/2)</a:t>
             </a:r>
             <a:endParaRPr lang="ja-JP" altLang="en-US" dirty="0"/>
           </a:p>
@@ -16094,11 +16059,7 @@
           <a:p>
             <a:r>
               <a:rPr lang="en-US" altLang="ja-JP" dirty="0" smtClean="0"/>
-              <a:t>3</a:t>
-            </a:r>
-            <a:r>
-              <a:rPr lang="en-US" altLang="ja-JP" dirty="0" smtClean="0"/>
-              <a:t>.2</a:t>
+              <a:t>3.2</a:t>
             </a:r>
             <a:r>
               <a:rPr lang="ja-JP" altLang="en-US" dirty="0"/>
@@ -16158,11 +16119,7 @@
             </a:pPr>
             <a:r>
               <a:rPr lang="en-US" altLang="ja-JP" dirty="0" smtClean="0"/>
-              <a:t>It is possible to manage execution history and execution schedule</a:t>
-            </a:r>
-            <a:r>
-              <a:rPr lang="en-US" altLang="ja-JP" dirty="0" smtClean="0"/>
-              <a:t>.</a:t>
+              <a:t>It is possible to manage execution history and execution schedule.</a:t>
             </a:r>
           </a:p>
           <a:p>
@@ -16183,7 +16140,6 @@
               <a:rPr lang="en-US" altLang="ja-JP" dirty="0" smtClean="0"/>
               <a:t> guide.</a:t>
             </a:r>
-            <a:endParaRPr lang="en-US" altLang="ja-JP" dirty="0" smtClean="0"/>
           </a:p>
         </p:txBody>
       </p:sp>
@@ -22273,7 +22229,6 @@
               <a:rPr lang="en-US" altLang="ja-JP" dirty="0"/>
               <a:t>.</a:t>
             </a:r>
-            <a:endParaRPr lang="en-US" altLang="ja-JP" dirty="0"/>
           </a:p>
         </p:txBody>
       </p:sp>
@@ -22801,29 +22756,8 @@
             <a:pPr lvl="1"/>
             <a:r>
               <a:rPr lang="en-US" altLang="ja-JP" dirty="0" smtClean="0"/>
-              <a:t>This </a:t>
-            </a:r>
-            <a:r>
-              <a:rPr lang="en-US" altLang="ja-JP" dirty="0" smtClean="0"/>
-              <a:t>document aims to describe </a:t>
-            </a:r>
-            <a:r>
-              <a:rPr lang="en-US" altLang="ja-JP" dirty="0" smtClean="0"/>
-              <a:t>the Management </a:t>
-            </a:r>
-            <a:r>
-              <a:rPr lang="en-US" altLang="ja-JP" dirty="0" smtClean="0"/>
-              <a:t>console and the </a:t>
-            </a:r>
-            <a:r>
-              <a:rPr lang="en-US" altLang="ja-JP" dirty="0" smtClean="0"/>
-              <a:t>Basic </a:t>
-            </a:r>
-            <a:r>
-              <a:rPr lang="en-US" altLang="ja-JP" dirty="0" smtClean="0"/>
-              <a:t>Console menu groups.</a:t>
-            </a:r>
-            <a:endParaRPr lang="en-US" altLang="ja-JP" dirty="0" smtClean="0"/>
+              <a:t>This document aims to describe the Management console and the Basic Console menu groups.</a:t>
+            </a:r>
           </a:p>
           <a:p>
             <a:pPr lvl="1"/>
@@ -22887,13 +22821,8 @@
             <a:pPr lvl="2"/>
             <a:r>
               <a:rPr lang="en-US" altLang="ja-JP" dirty="0" smtClean="0"/>
-              <a:t>Operation </a:t>
-            </a:r>
-            <a:r>
-              <a:rPr lang="en-US" altLang="ja-JP" dirty="0" smtClean="0"/>
-              <a:t>overview</a:t>
-            </a:r>
-            <a:endParaRPr lang="en-US" altLang="ja-JP" dirty="0" smtClean="0"/>
+              <a:t>Operation overview</a:t>
+            </a:r>
           </a:p>
         </p:txBody>
       </p:sp>
@@ -23066,11 +22995,7 @@
             </a:r>
             <a:r>
               <a:rPr lang="en-US" altLang="ja-JP" dirty="0" smtClean="0"/>
-              <a:t>System </a:t>
-            </a:r>
-            <a:r>
-              <a:rPr lang="en-US" altLang="ja-JP" dirty="0" smtClean="0"/>
-              <a:t>Settings</a:t>
+              <a:t>System Settings</a:t>
             </a:r>
             <a:endParaRPr lang="ja-JP" altLang="en-US" dirty="0"/>
           </a:p>
@@ -23110,8 +23035,12 @@
               <a:t>The settings items are as shown below</a:t>
             </a:r>
             <a:r>
-              <a:rPr lang="en-US" altLang="ja-JP" sz="1800" dirty="0"/>
-              <a:t>.</a:t>
+              <a:rPr lang="en-US" altLang="ja-JP" sz="1800" dirty="0" smtClean="0"/>
+              <a:t>.(</a:t>
+            </a:r>
+            <a:r>
+              <a:rPr lang="en-US" altLang="ja-JP" sz="1800" smtClean="0"/>
+              <a:t>See next page)</a:t>
             </a:r>
             <a:endParaRPr lang="en-US" altLang="ja-JP" sz="1800" dirty="0" smtClean="0"/>
           </a:p>
@@ -23126,14 +23055,14 @@
           <p:nvPr>
             <p:extLst>
               <p:ext uri="{D42A27DB-BD31-4B8C-83A1-F6EECF244321}">
-                <p14:modId xmlns:p14="http://schemas.microsoft.com/office/powerpoint/2010/main" val="3112186791"/>
+                <p14:modId xmlns:p14="http://schemas.microsoft.com/office/powerpoint/2010/main" val="2353350081"/>
               </p:ext>
             </p:extLst>
           </p:nvPr>
         </p:nvGraphicFramePr>
         <p:xfrm>
           <a:off x="539440" y="1772770"/>
-          <a:ext cx="7849090" cy="4509133"/>
+          <a:ext cx="7849090" cy="3254343"/>
         </p:xfrm>
         <a:graphic>
           <a:graphicData uri="http://schemas.openxmlformats.org/drawingml/2006/table">
@@ -24365,470 +24294,6 @@
                   </a:ext>
                 </a:extLst>
               </a:tr>
-              <a:tr h="411968">
-                <a:tc>
-                  <a:txBody>
-                    <a:bodyPr/>
-                    <a:lstStyle/>
-                    <a:p>
-                      <a:pPr algn="l"/>
-                      <a:r>
-                        <a:rPr kumimoji="1" lang="en-US" altLang="ja-JP" sz="1100" b="1" dirty="0" smtClean="0">
-                          <a:latin typeface="+mn-lt"/>
-                        </a:rPr>
-                        <a:t>Authentication</a:t>
-                      </a:r>
-                      <a:r>
-                        <a:rPr kumimoji="1" lang="en-US" altLang="ja-JP" sz="1100" b="1" baseline="0" dirty="0" smtClean="0">
-                          <a:latin typeface="+mn-lt"/>
-                        </a:rPr>
-                        <a:t> duration: </a:t>
-                      </a:r>
-                      <a:br>
-                        <a:rPr kumimoji="1" lang="en-US" altLang="ja-JP" sz="1100" b="1" baseline="0" dirty="0" smtClean="0">
-                          <a:latin typeface="+mn-lt"/>
-                        </a:rPr>
-                      </a:br>
-                      <a:r>
-                        <a:rPr kumimoji="1" lang="en-US" altLang="ja-JP" sz="1100" b="1" baseline="0" dirty="0" smtClean="0">
-                          <a:latin typeface="+mn-lt"/>
-                        </a:rPr>
-                        <a:t>Not operated(seconds)</a:t>
-                      </a:r>
-                      <a:endParaRPr kumimoji="1" lang="ja-JP" altLang="en-US" sz="1100" b="1" dirty="0">
-                        <a:latin typeface="+mn-lt"/>
-                      </a:endParaRPr>
-                    </a:p>
-                  </a:txBody>
-                  <a:tcPr marL="72000" marR="72000" marT="36000" marB="36000" anchor="ctr">
-                    <a:lnL w="12700" cap="flat" cmpd="sng" algn="ctr">
-                      <a:solidFill>
-                        <a:schemeClr val="tx1"/>
-                      </a:solidFill>
-                      <a:prstDash val="solid"/>
-                      <a:round/>
-                      <a:headEnd type="none" w="med" len="med"/>
-                      <a:tailEnd type="none" w="med" len="med"/>
-                    </a:lnL>
-                    <a:lnR w="12700" cap="flat" cmpd="sng" algn="ctr">
-                      <a:solidFill>
-                        <a:schemeClr val="tx1"/>
-                      </a:solidFill>
-                      <a:prstDash val="solid"/>
-                      <a:round/>
-                      <a:headEnd type="none" w="med" len="med"/>
-                      <a:tailEnd type="none" w="med" len="med"/>
-                    </a:lnR>
-                    <a:lnT w="12700" cap="flat" cmpd="sng" algn="ctr">
-                      <a:solidFill>
-                        <a:schemeClr val="tx1"/>
-                      </a:solidFill>
-                      <a:prstDash val="solid"/>
-                      <a:round/>
-                      <a:headEnd type="none" w="med" len="med"/>
-                      <a:tailEnd type="none" w="med" len="med"/>
-                    </a:lnT>
-                    <a:lnB w="12700" cap="flat" cmpd="sng" algn="ctr">
-                      <a:solidFill>
-                        <a:schemeClr val="tx1"/>
-                      </a:solidFill>
-                      <a:prstDash val="solid"/>
-                      <a:round/>
-                      <a:headEnd type="none" w="med" len="med"/>
-                      <a:tailEnd type="none" w="med" len="med"/>
-                    </a:lnB>
-                    <a:lnTlToBr w="12700" cmpd="sng">
-                      <a:noFill/>
-                      <a:prstDash val="solid"/>
-                    </a:lnTlToBr>
-                    <a:lnBlToTr w="12700" cmpd="sng">
-                      <a:noFill/>
-                      <a:prstDash val="solid"/>
-                    </a:lnBlToTr>
-                    <a:solidFill>
-                      <a:schemeClr val="bg1"/>
-                    </a:solidFill>
-                  </a:tcPr>
-                </a:tc>
-                <a:tc>
-                  <a:txBody>
-                    <a:bodyPr/>
-                    <a:lstStyle/>
-                    <a:p>
-                      <a:r>
-                        <a:rPr kumimoji="1" lang="en-US" altLang="ja-JP" sz="1100" b="0" i="0" u="none" strike="noStrike" kern="1200" baseline="0" dirty="0" smtClean="0">
-                          <a:solidFill>
-                            <a:schemeClr val="tx1"/>
-                          </a:solidFill>
-                          <a:latin typeface="+mn-lt"/>
-                          <a:ea typeface="+mn-ea"/>
-                          <a:cs typeface="+mn-cs"/>
-                        </a:rPr>
-                        <a:t>Time period (seconds) the session is valid with no operation</a:t>
-                      </a:r>
-                      <a:endParaRPr kumimoji="1" lang="en-US" altLang="ja-JP" sz="1100" dirty="0" smtClean="0">
-                        <a:latin typeface="+mn-lt"/>
-                      </a:endParaRPr>
-                    </a:p>
-                  </a:txBody>
-                  <a:tcPr marL="72000" marR="72000" marT="36000" marB="36000" anchor="ctr">
-                    <a:lnL w="12700" cap="flat" cmpd="sng" algn="ctr">
-                      <a:solidFill>
-                        <a:schemeClr val="tx1"/>
-                      </a:solidFill>
-                      <a:prstDash val="solid"/>
-                      <a:round/>
-                      <a:headEnd type="none" w="med" len="med"/>
-                      <a:tailEnd type="none" w="med" len="med"/>
-                    </a:lnL>
-                    <a:lnR w="12700" cap="flat" cmpd="sng" algn="ctr">
-                      <a:solidFill>
-                        <a:schemeClr val="tx1"/>
-                      </a:solidFill>
-                      <a:prstDash val="solid"/>
-                      <a:round/>
-                      <a:headEnd type="none" w="med" len="med"/>
-                      <a:tailEnd type="none" w="med" len="med"/>
-                    </a:lnR>
-                    <a:lnT w="12700" cap="flat" cmpd="sng" algn="ctr">
-                      <a:solidFill>
-                        <a:schemeClr val="tx1"/>
-                      </a:solidFill>
-                      <a:prstDash val="solid"/>
-                      <a:round/>
-                      <a:headEnd type="none" w="med" len="med"/>
-                      <a:tailEnd type="none" w="med" len="med"/>
-                    </a:lnT>
-                    <a:lnB w="12700" cap="flat" cmpd="sng" algn="ctr">
-                      <a:solidFill>
-                        <a:schemeClr val="tx1"/>
-                      </a:solidFill>
-                      <a:prstDash val="solid"/>
-                      <a:round/>
-                      <a:headEnd type="none" w="med" len="med"/>
-                      <a:tailEnd type="none" w="med" len="med"/>
-                    </a:lnB>
-                    <a:lnTlToBr w="12700" cmpd="sng">
-                      <a:noFill/>
-                      <a:prstDash val="solid"/>
-                    </a:lnTlToBr>
-                    <a:lnBlToTr w="12700" cmpd="sng">
-                      <a:noFill/>
-                      <a:prstDash val="solid"/>
-                    </a:lnBlToTr>
-                    <a:solidFill>
-                      <a:schemeClr val="bg1"/>
-                    </a:solidFill>
-                  </a:tcPr>
-                </a:tc>
-                <a:extLst>
-                  <a:ext uri="{0D108BD9-81ED-4DB2-BD59-A6C34878D82A}">
-                    <a16:rowId xmlns:a16="http://schemas.microsoft.com/office/drawing/2014/main" val="1329990991"/>
-                  </a:ext>
-                </a:extLst>
-              </a:tr>
-              <a:tr h="393960">
-                <a:tc>
-                  <a:txBody>
-                    <a:bodyPr/>
-                    <a:lstStyle/>
-                    <a:p>
-                      <a:pPr algn="l"/>
-                      <a:r>
-                        <a:rPr kumimoji="1" lang="en-US" altLang="ja-JP" sz="1100" b="1" i="0" u="none" strike="noStrike" kern="1200" baseline="0" dirty="0" smtClean="0">
-                          <a:solidFill>
-                            <a:schemeClr val="tx1"/>
-                          </a:solidFill>
-                          <a:latin typeface="+mn-lt"/>
-                          <a:ea typeface="+mn-ea"/>
-                          <a:cs typeface="+mn-cs"/>
-                        </a:rPr>
-                        <a:t>Authentication duration : Maximum period (seconds)</a:t>
-                      </a:r>
-                      <a:endParaRPr kumimoji="1" lang="ja-JP" altLang="en-US" sz="1100" b="1" dirty="0">
-                        <a:latin typeface="+mn-lt"/>
-                      </a:endParaRPr>
-                    </a:p>
-                  </a:txBody>
-                  <a:tcPr marL="72000" marR="72000" marT="36000" marB="36000" anchor="ctr">
-                    <a:lnL w="12700" cap="flat" cmpd="sng" algn="ctr">
-                      <a:solidFill>
-                        <a:schemeClr val="tx1"/>
-                      </a:solidFill>
-                      <a:prstDash val="solid"/>
-                      <a:round/>
-                      <a:headEnd type="none" w="med" len="med"/>
-                      <a:tailEnd type="none" w="med" len="med"/>
-                    </a:lnL>
-                    <a:lnR w="12700" cap="flat" cmpd="sng" algn="ctr">
-                      <a:solidFill>
-                        <a:schemeClr val="tx1"/>
-                      </a:solidFill>
-                      <a:prstDash val="solid"/>
-                      <a:round/>
-                      <a:headEnd type="none" w="med" len="med"/>
-                      <a:tailEnd type="none" w="med" len="med"/>
-                    </a:lnR>
-                    <a:lnT w="12700" cap="flat" cmpd="sng" algn="ctr">
-                      <a:solidFill>
-                        <a:schemeClr val="tx1"/>
-                      </a:solidFill>
-                      <a:prstDash val="solid"/>
-                      <a:round/>
-                      <a:headEnd type="none" w="med" len="med"/>
-                      <a:tailEnd type="none" w="med" len="med"/>
-                    </a:lnT>
-                    <a:lnB w="12700" cap="flat" cmpd="sng" algn="ctr">
-                      <a:solidFill>
-                        <a:schemeClr val="tx1"/>
-                      </a:solidFill>
-                      <a:prstDash val="solid"/>
-                      <a:round/>
-                      <a:headEnd type="none" w="med" len="med"/>
-                      <a:tailEnd type="none" w="med" len="med"/>
-                    </a:lnB>
-                    <a:lnTlToBr w="12700" cmpd="sng">
-                      <a:noFill/>
-                      <a:prstDash val="solid"/>
-                    </a:lnTlToBr>
-                    <a:lnBlToTr w="12700" cmpd="sng">
-                      <a:noFill/>
-                      <a:prstDash val="solid"/>
-                    </a:lnBlToTr>
-                    <a:solidFill>
-                      <a:schemeClr val="bg1"/>
-                    </a:solidFill>
-                  </a:tcPr>
-                </a:tc>
-                <a:tc>
-                  <a:txBody>
-                    <a:bodyPr/>
-                    <a:lstStyle/>
-                    <a:p>
-                      <a:r>
-                        <a:rPr kumimoji="1" lang="en-US" altLang="ja-JP" sz="1100" b="0" i="0" u="none" strike="noStrike" kern="1200" baseline="0" dirty="0" smtClean="0">
-                          <a:solidFill>
-                            <a:schemeClr val="tx1"/>
-                          </a:solidFill>
-                          <a:latin typeface="+mn-lt"/>
-                          <a:ea typeface="+mn-ea"/>
-                          <a:cs typeface="+mn-cs"/>
-                        </a:rPr>
-                        <a:t>Maximum time period (seconds) a session.</a:t>
-                      </a:r>
-                      <a:endParaRPr kumimoji="1" lang="en-US" altLang="ja-JP" sz="1100" dirty="0" smtClean="0">
-                        <a:latin typeface="+mn-lt"/>
-                      </a:endParaRPr>
-                    </a:p>
-                  </a:txBody>
-                  <a:tcPr marL="72000" marR="72000" marT="36000" marB="36000" anchor="ctr">
-                    <a:lnL w="12700" cap="flat" cmpd="sng" algn="ctr">
-                      <a:solidFill>
-                        <a:schemeClr val="tx1"/>
-                      </a:solidFill>
-                      <a:prstDash val="solid"/>
-                      <a:round/>
-                      <a:headEnd type="none" w="med" len="med"/>
-                      <a:tailEnd type="none" w="med" len="med"/>
-                    </a:lnL>
-                    <a:lnR w="12700" cap="flat" cmpd="sng" algn="ctr">
-                      <a:solidFill>
-                        <a:schemeClr val="tx1"/>
-                      </a:solidFill>
-                      <a:prstDash val="solid"/>
-                      <a:round/>
-                      <a:headEnd type="none" w="med" len="med"/>
-                      <a:tailEnd type="none" w="med" len="med"/>
-                    </a:lnR>
-                    <a:lnT w="12700" cap="flat" cmpd="sng" algn="ctr">
-                      <a:solidFill>
-                        <a:schemeClr val="tx1"/>
-                      </a:solidFill>
-                      <a:prstDash val="solid"/>
-                      <a:round/>
-                      <a:headEnd type="none" w="med" len="med"/>
-                      <a:tailEnd type="none" w="med" len="med"/>
-                    </a:lnT>
-                    <a:lnB w="12700" cap="flat" cmpd="sng" algn="ctr">
-                      <a:solidFill>
-                        <a:schemeClr val="tx1"/>
-                      </a:solidFill>
-                      <a:prstDash val="solid"/>
-                      <a:round/>
-                      <a:headEnd type="none" w="med" len="med"/>
-                      <a:tailEnd type="none" w="med" len="med"/>
-                    </a:lnB>
-                    <a:lnTlToBr w="12700" cmpd="sng">
-                      <a:noFill/>
-                      <a:prstDash val="solid"/>
-                    </a:lnTlToBr>
-                    <a:lnBlToTr w="12700" cmpd="sng">
-                      <a:noFill/>
-                      <a:prstDash val="solid"/>
-                    </a:lnBlToTr>
-                    <a:solidFill>
-                      <a:schemeClr val="bg1"/>
-                    </a:solidFill>
-                  </a:tcPr>
-                </a:tc>
-                <a:extLst>
-                  <a:ext uri="{0D108BD9-81ED-4DB2-BD59-A6C34878D82A}">
-                    <a16:rowId xmlns:a16="http://schemas.microsoft.com/office/drawing/2014/main" val="802128217"/>
-                  </a:ext>
-                </a:extLst>
-              </a:tr>
-              <a:tr h="435542">
-                <a:tc>
-                  <a:txBody>
-                    <a:bodyPr/>
-                    <a:lstStyle/>
-                    <a:p>
-                      <a:pPr algn="l"/>
-                      <a:r>
-                        <a:rPr kumimoji="1" lang="en-US" altLang="ja-JP" sz="1100" b="1" dirty="0" smtClean="0">
-                          <a:latin typeface="+mn-lt"/>
-                        </a:rPr>
-                        <a:t>Select</a:t>
-                      </a:r>
-                      <a:r>
-                        <a:rPr kumimoji="1" lang="en-US" altLang="ja-JP" sz="1100" b="1" baseline="0" dirty="0" smtClean="0">
-                          <a:latin typeface="+mn-lt"/>
-                        </a:rPr>
-                        <a:t> screen design</a:t>
-                      </a:r>
-                      <a:endParaRPr kumimoji="1" lang="ja-JP" altLang="en-US" sz="1100" b="1" dirty="0">
-                        <a:latin typeface="+mn-lt"/>
-                      </a:endParaRPr>
-                    </a:p>
-                  </a:txBody>
-                  <a:tcPr marL="72000" marR="72000" marT="36000" marB="36000" anchor="ctr">
-                    <a:lnL w="12700" cap="flat" cmpd="sng" algn="ctr">
-                      <a:solidFill>
-                        <a:schemeClr val="tx1"/>
-                      </a:solidFill>
-                      <a:prstDash val="solid"/>
-                      <a:round/>
-                      <a:headEnd type="none" w="med" len="med"/>
-                      <a:tailEnd type="none" w="med" len="med"/>
-                    </a:lnL>
-                    <a:lnR w="12700" cap="flat" cmpd="sng" algn="ctr">
-                      <a:solidFill>
-                        <a:schemeClr val="tx1"/>
-                      </a:solidFill>
-                      <a:prstDash val="solid"/>
-                      <a:round/>
-                      <a:headEnd type="none" w="med" len="med"/>
-                      <a:tailEnd type="none" w="med" len="med"/>
-                    </a:lnR>
-                    <a:lnT w="12700" cap="flat" cmpd="sng" algn="ctr">
-                      <a:solidFill>
-                        <a:schemeClr val="tx1"/>
-                      </a:solidFill>
-                      <a:prstDash val="solid"/>
-                      <a:round/>
-                      <a:headEnd type="none" w="med" len="med"/>
-                      <a:tailEnd type="none" w="med" len="med"/>
-                    </a:lnT>
-                    <a:lnB w="12700" cap="flat" cmpd="sng" algn="ctr">
-                      <a:solidFill>
-                        <a:schemeClr val="tx1"/>
-                      </a:solidFill>
-                      <a:prstDash val="solid"/>
-                      <a:round/>
-                      <a:headEnd type="none" w="med" len="med"/>
-                      <a:tailEnd type="none" w="med" len="med"/>
-                    </a:lnB>
-                    <a:lnTlToBr w="12700" cmpd="sng">
-                      <a:noFill/>
-                      <a:prstDash val="solid"/>
-                    </a:lnTlToBr>
-                    <a:lnBlToTr w="12700" cmpd="sng">
-                      <a:noFill/>
-                      <a:prstDash val="solid"/>
-                    </a:lnBlToTr>
-                    <a:solidFill>
-                      <a:schemeClr val="bg1"/>
-                    </a:solidFill>
-                  </a:tcPr>
-                </a:tc>
-                <a:tc>
-                  <a:txBody>
-                    <a:bodyPr/>
-                    <a:lstStyle/>
-                    <a:p>
-                      <a:r>
-                        <a:rPr kumimoji="1" lang="en-US" altLang="ja-JP" sz="1100" dirty="0" smtClean="0">
-                          <a:latin typeface="+mn-lt"/>
-                        </a:rPr>
-                        <a:t>Choose the color</a:t>
-                      </a:r>
-                      <a:r>
-                        <a:rPr kumimoji="1" lang="en-US" altLang="ja-JP" sz="1100" baseline="0" dirty="0" smtClean="0">
-                          <a:latin typeface="+mn-lt"/>
-                        </a:rPr>
-                        <a:t> theme of ITA</a:t>
-                      </a:r>
-                      <a:endParaRPr kumimoji="1" lang="en-US" altLang="ja-JP" sz="1100" dirty="0" smtClean="0">
-                        <a:latin typeface="+mn-lt"/>
-                      </a:endParaRPr>
-                    </a:p>
-                  </a:txBody>
-                  <a:tcPr marL="72000" marR="72000" marT="36000" marB="36000" anchor="ctr">
-                    <a:lnL w="12700" cap="flat" cmpd="sng" algn="ctr">
-                      <a:solidFill>
-                        <a:schemeClr val="tx1"/>
-                      </a:solidFill>
-                      <a:prstDash val="solid"/>
-                      <a:round/>
-                      <a:headEnd type="none" w="med" len="med"/>
-                      <a:tailEnd type="none" w="med" len="med"/>
-                    </a:lnL>
-                    <a:lnR w="12700" cap="flat" cmpd="sng" algn="ctr">
-                      <a:solidFill>
-                        <a:schemeClr val="tx1"/>
-                      </a:solidFill>
-                      <a:prstDash val="solid"/>
-                      <a:round/>
-                      <a:headEnd type="none" w="med" len="med"/>
-                      <a:tailEnd type="none" w="med" len="med"/>
-                    </a:lnR>
-                    <a:lnT w="12700" cap="flat" cmpd="sng" algn="ctr">
-                      <a:solidFill>
-                        <a:schemeClr val="tx1"/>
-                      </a:solidFill>
-                      <a:prstDash val="solid"/>
-                      <a:round/>
-                      <a:headEnd type="none" w="med" len="med"/>
-                      <a:tailEnd type="none" w="med" len="med"/>
-                    </a:lnT>
-                    <a:lnB w="12700" cap="flat" cmpd="sng" algn="ctr">
-                      <a:solidFill>
-                        <a:schemeClr val="tx1"/>
-                      </a:solidFill>
-                      <a:prstDash val="solid"/>
-                      <a:round/>
-                      <a:headEnd type="none" w="med" len="med"/>
-                      <a:tailEnd type="none" w="med" len="med"/>
-                    </a:lnB>
-                    <a:lnTlToBr w="12700" cmpd="sng">
-                      <a:noFill/>
-                      <a:prstDash val="solid"/>
-                    </a:lnTlToBr>
-                    <a:lnBlToTr w="12700" cmpd="sng">
-                      <a:noFill/>
-                      <a:prstDash val="solid"/>
-                    </a:lnBlToTr>
-                    <a:solidFill>
-                      <a:schemeClr val="bg1"/>
-                    </a:solidFill>
-                  </a:tcPr>
-                </a:tc>
-                <a:extLst>
-                  <a:ext uri="{0D108BD9-81ED-4DB2-BD59-A6C34878D82A}">
-                    <a16:rowId xmlns:a16="http://schemas.microsoft.com/office/drawing/2014/main" val="3693135095"/>
-                  </a:ext>
-                </a:extLst>
-              </a:tr>
             </a:tbl>
           </a:graphicData>
         </a:graphic>
@@ -25223,15 +24688,7 @@
             </a:r>
             <a:r>
               <a:rPr lang="en-US" altLang="ja-JP" dirty="0" smtClean="0"/>
-              <a:t>RBAC (Role Based Access Control) </a:t>
-            </a:r>
-            <a:r>
-              <a:rPr lang="en-US" altLang="ja-JP" dirty="0" smtClean="0"/>
-              <a:t>(2/4</a:t>
-            </a:r>
-            <a:r>
-              <a:rPr lang="en-US" altLang="ja-JP" dirty="0" smtClean="0"/>
-              <a:t>)</a:t>
+              <a:t>RBAC (Role Based Access Control) (2/4)</a:t>
             </a:r>
             <a:endParaRPr kumimoji="1" lang="ja-JP" altLang="en-US" dirty="0"/>
           </a:p>
